--- a/lci_cdh1.pptx
+++ b/lci_cdh1.pptx
@@ -3613,7 +3613,34 @@
             </a:pPr>
             <a:r>
               <a:rPr/>
-              <a:t>Inherited condition in which an altered copy of the CDH1 gene is passed from generation to generation Presence of the gene can be detected by genetic testing Affected person can pass the gene to (on average) half of their children Affected persons carry the CDH1</a:t>
+              <a:t>Inherited condition in which an altered copy of the CDH1 gene is passed from generation to generation</a:t>
+            </a:r>
+          </a:p>
+          <a:p>
+            <a:pPr lvl="0" indent="0" marL="0">
+              <a:buNone/>
+            </a:pPr>
+            <a:r>
+              <a:rPr/>
+              <a:t>Presence of the gene can be detected by genetic testing</a:t>
+            </a:r>
+          </a:p>
+          <a:p>
+            <a:pPr lvl="0" indent="0" marL="0">
+              <a:buNone/>
+            </a:pPr>
+            <a:r>
+              <a:rPr/>
+              <a:t>Affected person can pass the gene to (on average) half of their children</a:t>
+            </a:r>
+          </a:p>
+          <a:p>
+            <a:pPr lvl="0" indent="0" marL="0">
+              <a:buNone/>
+            </a:pPr>
+            <a:r>
+              <a:rPr/>
+              <a:t>Affected persons carry the CDH1</a:t>
             </a:r>
           </a:p>
         </p:txBody>
@@ -3690,7 +3717,25 @@
             </a:pPr>
             <a:r>
               <a:rPr/>
-              <a:t>Affected individuals have microscopic cancers beginning to form in the top layer of the stomach at an early age Majority of affected individuals will develop visible cancer by age 40 By age 80, 70% of men and 56-83% of women are estimated to be at risk to develop visible cancer however some recent studies place this risk at 50%/33%</a:t>
+              <a:t>Affected individuals have microscopic cancers beginning to form in the top layer of the stomach at an early age</a:t>
+            </a:r>
+          </a:p>
+          <a:p>
+            <a:pPr lvl="0" indent="0" marL="0">
+              <a:buNone/>
+            </a:pPr>
+            <a:r>
+              <a:rPr/>
+              <a:t>Majority of affected individuals will develop visible cancer by age 40</a:t>
+            </a:r>
+          </a:p>
+          <a:p>
+            <a:pPr lvl="0" indent="0" marL="0">
+              <a:buNone/>
+            </a:pPr>
+            <a:r>
+              <a:rPr/>
+              <a:t>By age 80, 70% of men and 56-83% of women are estimated to be at risk to develop visible cancer however some recent studies place this risk at 50%/33%</a:t>
             </a:r>
           </a:p>
         </p:txBody>
@@ -3767,7 +3812,16 @@
             </a:pPr>
             <a:r>
               <a:rPr/>
-              <a:t>CDH1 carriers with visible cancer are termed “clinically apparent” CDH1 carriers with clinically apparent cancers which are large enough to cause symptoms generally are likely to have spread to lymph nodes</a:t>
+              <a:t>CDH1 carriers with visible cancer are termed “clinically apparent”</a:t>
+            </a:r>
+          </a:p>
+          <a:p>
+            <a:pPr lvl="0" indent="0" marL="0">
+              <a:buNone/>
+            </a:pPr>
+            <a:r>
+              <a:rPr/>
+              <a:t>CDH1 carriers with clinically apparent cancers which are large enough to cause symptoms generally are likely to have spread to lymph nodes at the time of diagnosis</a:t>
             </a:r>
           </a:p>
         </p:txBody>

--- a/lci_cdh1.pptx
+++ b/lci_cdh1.pptx
@@ -332,7 +332,7 @@
           <a:p>
             <a:fld id="{241EB5C9-1307-BA42-ABA2-0BC069CD8E7F}" type="datetimeFigureOut">
               <a:rPr lang="en-US" smtClean="0"/>
-              <a:t>1/11/25</a:t>
+              <a:t>2/24/25</a:t>
             </a:fld>
             <a:endParaRPr lang="en-US"/>
           </a:p>
@@ -524,7 +524,7 @@
           <a:p>
             <a:fld id="{241EB5C9-1307-BA42-ABA2-0BC069CD8E7F}" type="datetimeFigureOut">
               <a:rPr lang="en-US" smtClean="0"/>
-              <a:t>1/11/25</a:t>
+              <a:t>2/24/25</a:t>
             </a:fld>
             <a:endParaRPr lang="en-US"/>
           </a:p>
@@ -726,7 +726,7 @@
           <a:p>
             <a:fld id="{241EB5C9-1307-BA42-ABA2-0BC069CD8E7F}" type="datetimeFigureOut">
               <a:rPr lang="en-US" smtClean="0"/>
-              <a:t>1/11/25</a:t>
+              <a:t>2/24/25</a:t>
             </a:fld>
             <a:endParaRPr lang="en-US"/>
           </a:p>
@@ -928,7 +928,7 @@
           <a:p>
             <a:fld id="{241EB5C9-1307-BA42-ABA2-0BC069CD8E7F}" type="datetimeFigureOut">
               <a:rPr lang="en-US" smtClean="0"/>
-              <a:t>1/11/25</a:t>
+              <a:t>2/24/25</a:t>
             </a:fld>
             <a:endParaRPr lang="en-US"/>
           </a:p>
@@ -1468,7 +1468,7 @@
           <a:p>
             <a:fld id="{241EB5C9-1307-BA42-ABA2-0BC069CD8E7F}" type="datetimeFigureOut">
               <a:rPr lang="en-US" smtClean="0"/>
-              <a:t>1/11/25</a:t>
+              <a:t>2/24/25</a:t>
             </a:fld>
             <a:endParaRPr lang="en-US"/>
           </a:p>
@@ -2142,7 +2142,7 @@
           <a:p>
             <a:fld id="{241EB5C9-1307-BA42-ABA2-0BC069CD8E7F}" type="datetimeFigureOut">
               <a:rPr lang="en-US" smtClean="0"/>
-              <a:t>1/11/25</a:t>
+              <a:t>2/24/25</a:t>
             </a:fld>
             <a:endParaRPr lang="en-US"/>
           </a:p>
@@ -2289,7 +2289,7 @@
           <a:p>
             <a:fld id="{241EB5C9-1307-BA42-ABA2-0BC069CD8E7F}" type="datetimeFigureOut">
               <a:rPr lang="en-US" smtClean="0"/>
-              <a:t>1/11/25</a:t>
+              <a:t>2/24/25</a:t>
             </a:fld>
             <a:endParaRPr lang="en-US"/>
           </a:p>
@@ -2408,7 +2408,7 @@
           <a:p>
             <a:fld id="{241EB5C9-1307-BA42-ABA2-0BC069CD8E7F}" type="datetimeFigureOut">
               <a:rPr lang="en-US" smtClean="0"/>
-              <a:t>1/11/25</a:t>
+              <a:t>2/24/25</a:t>
             </a:fld>
             <a:endParaRPr lang="en-US"/>
           </a:p>
@@ -2707,7 +2707,7 @@
           <a:p>
             <a:fld id="{241EB5C9-1307-BA42-ABA2-0BC069CD8E7F}" type="datetimeFigureOut">
               <a:rPr lang="en-US" smtClean="0"/>
-              <a:t>1/11/25</a:t>
+              <a:t>2/24/25</a:t>
             </a:fld>
             <a:endParaRPr lang="en-US"/>
           </a:p>
@@ -2983,7 +2983,7 @@
           <a:p>
             <a:fld id="{241EB5C9-1307-BA42-ABA2-0BC069CD8E7F}" type="datetimeFigureOut">
               <a:rPr lang="en-US" smtClean="0"/>
-              <a:t>1/11/25</a:t>
+              <a:t>2/24/25</a:t>
             </a:fld>
             <a:endParaRPr lang="en-US"/>
           </a:p>
@@ -3236,7 +3236,7 @@
         </a:spcBef>
         <a:buFont typeface="Arial"/>
         <a:buChar char="–"/>
-        <a:defRPr baseline="0" kern="1200" sz="2100">
+        <a:defRPr baseline="0" kern="1200" sz="2400">
           <a:solidFill>
             <a:schemeClr val="tx1"/>
           </a:solidFill>
@@ -3251,7 +3251,7 @@
         </a:spcBef>
         <a:buFont typeface="Arial"/>
         <a:buChar char="•"/>
-        <a:defRPr kern="1200" sz="1800">
+        <a:defRPr kern="1200" sz="2400">
           <a:solidFill>
             <a:schemeClr val="tx1"/>
           </a:solidFill>
@@ -3266,7 +3266,7 @@
         </a:spcBef>
         <a:buFont typeface="Arial"/>
         <a:buChar char="–"/>
-        <a:defRPr kern="1200" sz="1500">
+        <a:defRPr kern="1200" sz="2400">
           <a:solidFill>
             <a:schemeClr val="tx1"/>
           </a:solidFill>

--- a/lci_cdh1.pptx
+++ b/lci_cdh1.pptx
@@ -4211,12 +4211,6 @@
         <p:txBody>
           <a:bodyPr/>
           <a:lstStyle/>
-          <a:p>
-            <a:pPr lvl="0" indent="0" marL="0">
-              <a:buNone/>
-            </a:pPr>
-            <a:br/>
-          </a:p>
           <a:p>
             <a:pPr lvl="0"/>
             <a:r>

--- a/lci_cdh1.pptx
+++ b/lci_cdh1.pptx
@@ -3234,8 +3234,8 @@
         <a:spcBef>
           <a:spcPct val="20000"/>
         </a:spcBef>
-        <a:buFont typeface="Arial"/>
-        <a:buChar char="–"/>
+        <a:buFont charset="0" panose="020B0604020202020204" pitchFamily="34" typeface="Arial"/>
+        <a:buChar char="•"/>
         <a:defRPr baseline="0" kern="1200" sz="2400">
           <a:solidFill>
             <a:schemeClr val="tx1"/>

--- a/lci_cdh1.pptx
+++ b/lci_cdh1.pptx
@@ -4236,7 +4236,7 @@
       </p:sp>
       <p:pic>
         <p:nvPicPr>
-          <p:cNvPr descr="https://deidt7p41jzcy.cloudfront.net/gast_total.png" id="0" name="Picture 1"/>
+          <p:cNvPr descr="images/gast_total.png" id="0" name="Picture 1"/>
           <p:cNvPicPr>
             <a:picLocks noGrp="1" noChangeAspect="1"/>
           </p:cNvPicPr>
@@ -4318,7 +4318,7 @@
       </p:sp>
       <p:pic>
         <p:nvPicPr>
-          <p:cNvPr descr="https://deidt7p41jzcy.cloudfront.net/gast_proximal_tumor.png" id="0" name="Picture 1"/>
+          <p:cNvPr descr="images/gast_proximal_tumor.png" id="0" name="Picture 1"/>
           <p:cNvPicPr>
             <a:picLocks noGrp="1" noChangeAspect="1"/>
           </p:cNvPicPr>
@@ -4348,7 +4348,7 @@
       </p:pic>
       <p:pic>
         <p:nvPicPr>
-          <p:cNvPr descr="https://deidt7p41jzcy.cloudfront.net/gast_total.png" id="0" name="Picture 1"/>
+          <p:cNvPr descr="images/gast_total.png" id="0" name="Picture 1"/>
           <p:cNvPicPr>
             <a:picLocks noGrp="1" noChangeAspect="1"/>
           </p:cNvPicPr>
@@ -4516,7 +4516,7 @@
       </mc:AlternateContent>
       <p:pic>
         <p:nvPicPr>
-          <p:cNvPr descr="https://deidt7p41jzcy.cloudfront.net/Eso_Anatomy_Labels.png" id="0" name="Picture 1"/>
+          <p:cNvPr descr="images/Eso_Anatomy_Labels.png" id="0" name="Picture 1"/>
           <p:cNvPicPr>
             <a:picLocks noGrp="1" noChangeAspect="1"/>
           </p:cNvPicPr>

--- a/lci_cdh1.pptx
+++ b/lci_cdh1.pptx
@@ -22,6 +22,8 @@
     <p:sldId id="270" r:id="rId16"/>
     <p:sldId id="271" r:id="rId17"/>
     <p:sldId id="272" r:id="rId18"/>
+    <p:sldId id="273" r:id="rId19"/>
+    <p:sldId id="274" r:id="rId20"/>
   </p:sldIdLst>
   <p:sldSz cx="9144000" cy="5143500" type="screen16x9"/>
   <p:notesSz cx="6858000" cy="9144000"/>
@@ -4376,6 +4378,249 @@
           </a:ln>
         </p:spPr>
       </p:pic>
+    </p:spTree>
+  </p:cSld>
+</p:sld>
+</file>
+
+<file path=ppt/slides/slide18.xml><?xml version="1.0" encoding="utf-8"?>
+<p:sld xmlns:a="http://schemas.openxmlformats.org/drawingml/2006/main" xmlns:r="http://schemas.openxmlformats.org/officeDocument/2006/relationships" xmlns:p="http://schemas.openxmlformats.org/presentationml/2006/main">
+  <p:cSld>
+    <p:spTree>
+      <p:nvGrpSpPr>
+        <p:cNvPr id="1" name=""/>
+        <p:cNvGrpSpPr/>
+        <p:nvPr/>
+      </p:nvGrpSpPr>
+      <p:grpSpPr>
+        <a:xfrm>
+          <a:off x="0" y="0"/>
+          <a:ext cx="0" cy="0"/>
+          <a:chOff x="0" y="0"/>
+          <a:chExt cx="0" cy="0"/>
+        </a:xfrm>
+      </p:grpSpPr>
+      <p:sp>
+        <p:nvSpPr>
+          <p:cNvPr id="2" name="Title 1"/>
+          <p:cNvSpPr>
+            <a:spLocks noGrp="1"/>
+          </p:cNvSpPr>
+          <p:nvPr>
+            <p:ph type="title"/>
+          </p:nvPr>
+        </p:nvSpPr>
+        <p:spPr>
+          <a:xfrm>
+            <a:off x="284309" y="205979"/>
+            <a:ext cx="8552330" cy="662317"/>
+          </a:xfrm>
+        </p:spPr>
+        <p:txBody>
+          <a:bodyPr/>
+          <a:lstStyle/>
+          <a:p>
+            <a:pPr lvl="0" indent="0" marL="0">
+              <a:buNone/>
+            </a:pPr>
+            <a:r>
+              <a:rPr/>
+              <a:t>Team Members - Physicians</a:t>
+            </a:r>
+          </a:p>
+        </p:txBody>
+      </p:sp>
+      <p:sp>
+        <p:nvSpPr>
+          <p:cNvPr id="3" name="Content Placeholder 2"/>
+          <p:cNvSpPr>
+            <a:spLocks noGrp="1"/>
+          </p:cNvSpPr>
+          <p:nvPr>
+            <p:ph idx="1"/>
+          </p:nvPr>
+        </p:nvSpPr>
+        <p:spPr/>
+        <p:txBody>
+          <a:bodyPr/>
+          <a:lstStyle/>
+          <a:p>
+            <a:pPr lvl="0" indent="0" marL="0">
+              <a:buNone/>
+            </a:pPr>
+            <a:r>
+              <a:rPr/>
+              <a:t>Primary Care Provider</a:t>
+            </a:r>
+          </a:p>
+          <a:p>
+            <a:pPr lvl="0" indent="0" marL="0">
+              <a:buNone/>
+            </a:pPr>
+            <a:r>
+              <a:rPr/>
+              <a:t>Gastroenterologist</a:t>
+            </a:r>
+          </a:p>
+          <a:p>
+            <a:pPr lvl="0" indent="0" marL="0">
+              <a:buNone/>
+            </a:pPr>
+            <a:r>
+              <a:rPr/>
+              <a:t>Medical Oncologist (chemotherapy)</a:t>
+            </a:r>
+          </a:p>
+          <a:p>
+            <a:pPr lvl="0" indent="0" marL="0">
+              <a:buNone/>
+            </a:pPr>
+            <a:r>
+              <a:rPr/>
+              <a:t>Radiation Oncologist (radiation)</a:t>
+            </a:r>
+          </a:p>
+          <a:p>
+            <a:pPr lvl="0" indent="0" marL="0">
+              <a:buNone/>
+            </a:pPr>
+            <a:r>
+              <a:rPr/>
+              <a:t>Surgeons</a:t>
+            </a:r>
+          </a:p>
+          <a:p>
+            <a:pPr lvl="0"/>
+            <a:r>
+              <a:rPr/>
+              <a:t>Jonathan Salo MD</a:t>
+            </a:r>
+          </a:p>
+          <a:p>
+            <a:pPr lvl="0"/>
+            <a:r>
+              <a:rPr/>
+              <a:t>Jeffrey Hagen MD</a:t>
+            </a:r>
+          </a:p>
+          <a:p>
+            <a:pPr lvl="0"/>
+            <a:r>
+              <a:rPr/>
+              <a:t>Michael Roach MD</a:t>
+            </a:r>
+          </a:p>
+        </p:txBody>
+      </p:sp>
+    </p:spTree>
+  </p:cSld>
+</p:sld>
+</file>
+
+<file path=ppt/slides/slide19.xml><?xml version="1.0" encoding="utf-8"?>
+<p:sld xmlns:a="http://schemas.openxmlformats.org/drawingml/2006/main" xmlns:r="http://schemas.openxmlformats.org/officeDocument/2006/relationships" xmlns:p="http://schemas.openxmlformats.org/presentationml/2006/main">
+  <p:cSld>
+    <p:spTree>
+      <p:nvGrpSpPr>
+        <p:cNvPr id="1" name=""/>
+        <p:cNvGrpSpPr/>
+        <p:nvPr/>
+      </p:nvGrpSpPr>
+      <p:grpSpPr>
+        <a:xfrm>
+          <a:off x="0" y="0"/>
+          <a:ext cx="0" cy="0"/>
+          <a:chOff x="0" y="0"/>
+          <a:chExt cx="0" cy="0"/>
+        </a:xfrm>
+      </p:grpSpPr>
+      <p:sp>
+        <p:nvSpPr>
+          <p:cNvPr id="2" name="Title 1"/>
+          <p:cNvSpPr>
+            <a:spLocks noGrp="1"/>
+          </p:cNvSpPr>
+          <p:nvPr>
+            <p:ph type="title"/>
+          </p:nvPr>
+        </p:nvSpPr>
+        <p:spPr>
+          <a:xfrm>
+            <a:off x="284309" y="205979"/>
+            <a:ext cx="8552330" cy="662317"/>
+          </a:xfrm>
+        </p:spPr>
+        <p:txBody>
+          <a:bodyPr/>
+          <a:lstStyle/>
+          <a:p>
+            <a:pPr lvl="0" indent="0" marL="0">
+              <a:buNone/>
+            </a:pPr>
+            <a:r>
+              <a:rPr/>
+              <a:t>Team Members - Support Staff</a:t>
+            </a:r>
+          </a:p>
+        </p:txBody>
+      </p:sp>
+      <p:sp>
+        <p:nvSpPr>
+          <p:cNvPr id="3" name="Content Placeholder 2"/>
+          <p:cNvSpPr>
+            <a:spLocks noGrp="1"/>
+          </p:cNvSpPr>
+          <p:nvPr>
+            <p:ph idx="1"/>
+          </p:nvPr>
+        </p:nvSpPr>
+        <p:spPr/>
+        <p:txBody>
+          <a:bodyPr/>
+          <a:lstStyle/>
+          <a:p>
+            <a:pPr lvl="0" indent="0" marL="0">
+              <a:buNone/>
+            </a:pPr>
+            <a:r>
+              <a:rPr/>
+              <a:t>Dietitian - Liz Koch</a:t>
+            </a:r>
+          </a:p>
+          <a:p>
+            <a:pPr lvl="0" indent="0" marL="0">
+              <a:buNone/>
+            </a:pPr>
+            <a:r>
+              <a:rPr/>
+              <a:t>Nurses</a:t>
+            </a:r>
+          </a:p>
+          <a:p>
+            <a:pPr lvl="0"/>
+            <a:r>
+              <a:rPr/>
+              <a:t>Matthew Carpenter RN</a:t>
+            </a:r>
+          </a:p>
+          <a:p>
+            <a:pPr lvl="0"/>
+            <a:r>
+              <a:rPr/>
+              <a:t>Brandon Galloway LPN</a:t>
+            </a:r>
+          </a:p>
+          <a:p>
+            <a:pPr lvl="0" indent="0" marL="0">
+              <a:buNone/>
+            </a:pPr>
+            <a:r>
+              <a:rPr/>
+              <a:t>Navigator - Laura Swift</a:t>
+            </a:r>
+          </a:p>
+        </p:txBody>
+      </p:sp>
     </p:spTree>
   </p:cSld>
 </p:sld>
